--- a/GIOI-THIEU-CHUNG.pptx
+++ b/GIOI-THIEU-CHUNG.pptx
@@ -218,7 +218,7 @@
           </a:lstStyle>
           <a:p>
             <a:fld id="{E8611BE7-26AC-C944-82B9-0A7490D91C07}" type="datetimeFigureOut">
-              <a:t>5/2/20</a:t>
+              <a:t>5/3/20</a:t>
             </a:fld>
             <a:endParaRPr lang="vi-VN"/>
           </a:p>
